--- a/Teoría/Listas_tuplas_arrays.pptx
+++ b/Teoría/Listas_tuplas_arrays.pptx
@@ -14422,7 +14422,7 @@
         </p:nvSpPr>
         <p:spPr>
           <a:xfrm>
-            <a:off x="680275" y="3677200"/>
+            <a:off x="534860" y="3677200"/>
             <a:ext cx="3272700" cy="2197200"/>
           </a:xfrm>
           <a:prstGeom prst="rect">
@@ -14637,7 +14637,23 @@
             </a:pPr>
             <a:r>
               <a:rPr lang="en-US"/>
-              <a:t>b = a &gt;&gt; 1   a= 2        </a:t>
+              <a:t>b = a &gt;&gt; </a:t>
+            </a:r>
+            <a:r>
+              <a:rPr lang="es-ES_tradnl" altLang="en-US"/>
+              <a:t>n</a:t>
+            </a:r>
+            <a:r>
+              <a:rPr lang="en-US"/>
+              <a:t>   a= 2</a:t>
+            </a:r>
+            <a:r>
+              <a:rPr lang="es-ES_tradnl" altLang="en-US"/>
+              <a:t>, n = 1</a:t>
+            </a:r>
+            <a:r>
+              <a:rPr lang="en-US"/>
+              <a:t>        </a:t>
             </a:r>
             <a:r>
               <a:rPr lang="en-US" b="1">
